--- a/spec/fixtures/empty_slide.pptx
+++ b/spec/fixtures/empty_slide.pptx
@@ -11,7 +11,7 @@
 </p:presentation>
 </file>
 
-<file path=ppt/slideLayouts/slideLayout7.xml><?xml version="1.0" encoding="utf-8"?>
+<file path=ppt/slideLayouts/slideLayoutBasic.xml><?xml version="1.0" encoding="utf-8"?>
 <p:sldLayout xmlns:a="http://schemas.openxmlformats.org/drawingml/2006/main" xmlns:r="http://schemas.openxmlformats.org/officeDocument/2006/relationships" xmlns:p="http://schemas.openxmlformats.org/presentationml/2006/main" type="blank" preserve="1">
   <p:cSld name="Blank">
     <p:spTree>
@@ -27,7 +27,7 @@
 </p:sldLayout>
 </file>
 
-<file path=ppt/slideMasters/slideMaster1.xml><?xml version="1.0" encoding="utf-8"?>
+<file path=ppt/slideMasters/slideMasterBasic.xml><?xml version="1.0" encoding="utf-8"?>
 <p:sldMaster xmlns:a="http://schemas.openxmlformats.org/drawingml/2006/main" xmlns:r="http://schemas.openxmlformats.org/officeDocument/2006/relationships" xmlns:p="http://schemas.openxmlformats.org/presentationml/2006/main">
   <p:cSld>
     <p:spTree>
@@ -63,7 +63,7 @@
 </p:sld>
 </file>
 
-<file path=ppt/theme/theme1.xml><?xml version="1.0" encoding="utf-8"?>
+<file path=ppt/theme/themeBasic.xml><?xml version="1.0" encoding="utf-8"?>
 <a:theme xmlns:a="http://schemas.openxmlformats.org/drawingml/2006/main" name="Office Theme">
   <a:themeElements>
     <a:clrScheme name="Office">

--- a/spec/fixtures/empty_slide.pptx
+++ b/spec/fixtures/empty_slide.pptx
@@ -20,8 +20,7 @@
         <p:cNvGrpSpPr/>
         <p:nvPr/>
       </p:nvGrpSpPr>
-      <p:grpSpPr>
-      </p:grpSpPr>
+      <p:grpSpPr/>
     </p:spTree>
   </p:cSld>
 </p:sldLayout>

--- a/spec/fixtures/empty_slide.pptx
+++ b/spec/fixtures/empty_slide.pptx
@@ -35,13 +35,12 @@
         <p:cNvGrpSpPr/>
         <p:nvPr/>
       </p:nvGrpSpPr>
-      <p:grpSpPr>
-      </p:grpSpPr>
+      <p:grpSpPr/>
     </p:spTree>
   </p:cSld>
   <p:clrMap bg1="lt1" tx1="dk1" bg2="lt2" tx2="dk2" accent1="accent1" accent2="accent2" accent3="accent3" accent4="accent4" accent5="accent5" accent6="accent6" hlink="hlink" folHlink="folHlink"/>
   <p:sldLayoutIdLst>
-    <p:sldLayoutId id="2147483655" r:id="rId7"/>
+    <p:sldLayoutId r:id="rId7"/>
   </p:sldLayoutIdLst>
 </p:sldMaster>
 </file>

--- a/spec/fixtures/empty_slide.pptx
+++ b/spec/fixtures/empty_slide.pptx
@@ -1,12 +1,13 @@
 
 <file path=ppt/presentation.xml><?xml version="1.0" encoding="utf-8"?>
-<p:presentation xmlns:a="http://schemas.openxmlformats.org/drawingml/2006/main" xmlns:r="http://schemas.openxmlformats.org/officeDocument/2006/relationships" xmlns:p="http://schemas.openxmlformats.org/presentationml/2006/main" saveSubsetFonts="1" autoCompressPictures="0">
+<p:presentation xmlns:a="http://schemas.openxmlformats.org/drawingml/2006/main" xmlns:r="http://schemas.openxmlformats.org/officeDocument/2006/relationships" xmlns:p="http://schemas.openxmlformats.org/presentationml/2006/main">
   <p:sldMasterIdLst>
-    <p:sldMasterId id="2147483648" r:id="rId1"/>
+    <p:sldMasterId r:id="rId1"/>
   </p:sldMasterIdLst>
   <p:sldIdLst>
     <p:sldId id="256" r:id="rId2"/>
   </p:sldIdLst>
+  <p:sldSz cx="12192000" cy="6858000"/>
   <p:notesSz cx="6858000" cy="9144000"/>
 </p:presentation>
 </file>

--- a/spec/fixtures/empty_slide.pptx
+++ b/spec/fixtures/empty_slide.pptx
@@ -55,8 +55,7 @@
         <p:cNvGrpSpPr/>
         <p:nvPr/>
       </p:nvGrpSpPr>
-      <p:grpSpPr>
-      </p:grpSpPr>
+      <p:grpSpPr/>
     </p:spTree>
   </p:cSld>
 </p:sld>

--- a/spec/fixtures/empty_slide.pptx
+++ b/spec/fixtures/empty_slide.pptx
@@ -104,74 +104,14 @@
     </a:clrScheme>
     <a:fontScheme name="Office">
       <a:majorFont>
-        <a:latin typeface="Calibri Light" panose="020F0302020204030204"/>
+        <a:latin typeface="Calibri Light"/>
         <a:ea typeface=""/>
         <a:cs typeface=""/>
-        <a:font script="Jpan" typeface="Yu Gothic Light"/>
-        <a:font script="Hang" typeface="맑은 고딕"/>
-        <a:font script="Hans" typeface="DengXian Light"/>
-        <a:font script="Hant" typeface="新細明體"/>
-        <a:font script="Arab" typeface="Times New Roman"/>
-        <a:font script="Hebr" typeface="Times New Roman"/>
-        <a:font script="Thai" typeface="Angsana New"/>
-        <a:font script="Ethi" typeface="Nyala"/>
-        <a:font script="Beng" typeface="Vrinda"/>
-        <a:font script="Gujr" typeface="Shruti"/>
-        <a:font script="Khmr" typeface="MoolBoran"/>
-        <a:font script="Knda" typeface="Tunga"/>
-        <a:font script="Guru" typeface="Raavi"/>
-        <a:font script="Cans" typeface="Euphemia"/>
-        <a:font script="Cher" typeface="Plantagenet Cherokee"/>
-        <a:font script="Yiii" typeface="Microsoft Yi Baiti"/>
-        <a:font script="Tibt" typeface="Microsoft Himalaya"/>
-        <a:font script="Thaa" typeface="MV Boli"/>
-        <a:font script="Deva" typeface="Mangal"/>
-        <a:font script="Telu" typeface="Gautami"/>
-        <a:font script="Taml" typeface="Latha"/>
-        <a:font script="Syrc" typeface="Estrangelo Edessa"/>
-        <a:font script="Orya" typeface="Kalinga"/>
-        <a:font script="Mlym" typeface="Kartika"/>
-        <a:font script="Laoo" typeface="DokChampa"/>
-        <a:font script="Sinh" typeface="Iskoola Pota"/>
-        <a:font script="Mong" typeface="Mongolian Baiti"/>
-        <a:font script="Viet" typeface="Times New Roman"/>
-        <a:font script="Uigh" typeface="Microsoft Uighur"/>
-        <a:font script="Geor" typeface="Sylfaen"/>
       </a:majorFont>
       <a:minorFont>
-        <a:latin typeface="Calibri" panose="020F0502020204030204"/>
+        <a:latin typeface="Calibri"/>
         <a:ea typeface=""/>
         <a:cs typeface=""/>
-        <a:font script="Jpan" typeface="Yu Gothic"/>
-        <a:font script="Hang" typeface="맑은 고딕"/>
-        <a:font script="Hans" typeface="DengXian"/>
-        <a:font script="Hant" typeface="新細明體"/>
-        <a:font script="Arab" typeface="Arial"/>
-        <a:font script="Hebr" typeface="Arial"/>
-        <a:font script="Thai" typeface="Cordia New"/>
-        <a:font script="Ethi" typeface="Nyala"/>
-        <a:font script="Beng" typeface="Vrinda"/>
-        <a:font script="Gujr" typeface="Shruti"/>
-        <a:font script="Khmr" typeface="DaunPenh"/>
-        <a:font script="Knda" typeface="Tunga"/>
-        <a:font script="Guru" typeface="Raavi"/>
-        <a:font script="Cans" typeface="Euphemia"/>
-        <a:font script="Cher" typeface="Plantagenet Cherokee"/>
-        <a:font script="Yiii" typeface="Microsoft Yi Baiti"/>
-        <a:font script="Tibt" typeface="Microsoft Himalaya"/>
-        <a:font script="Thaa" typeface="MV Boli"/>
-        <a:font script="Deva" typeface="Mangal"/>
-        <a:font script="Telu" typeface="Gautami"/>
-        <a:font script="Taml" typeface="Latha"/>
-        <a:font script="Syrc" typeface="Estrangelo Edessa"/>
-        <a:font script="Orya" typeface="Kalinga"/>
-        <a:font script="Mlym" typeface="Kartika"/>
-        <a:font script="Laoo" typeface="DokChampa"/>
-        <a:font script="Sinh" typeface="Iskoola Pota"/>
-        <a:font script="Mong" typeface="Mongolian Baiti"/>
-        <a:font script="Viet" typeface="Arial"/>
-        <a:font script="Uigh" typeface="Microsoft Uighur"/>
-        <a:font script="Geor" typeface="Sylfaen"/>
       </a:minorFont>
     </a:fontScheme>
     <a:fmtScheme name="Office">
@@ -312,12 +252,5 @@
       </a:bgFillStyleLst>
     </a:fmtScheme>
   </a:themeElements>
-  <a:objectDefaults/>
-  <a:extraClrSchemeLst/>
-  <a:extLst>
-    <a:ext uri="{05A4C25C-085E-4340-85A3-A5531E510DB2}">
-      <thm15:themeFamily xmlns:thm15="http://schemas.microsoft.com/office/thememl/2012/main" name="Office Theme" id="{62F939B6-93AF-4DB8-9C6B-D6C7DFDC589F}" vid="{4A3C46E8-61CC-4603-A589-7422A47A8E4A}"/>
-    </a:ext>
-  </a:extLst>
 </a:theme>
 </file>
--- a/spec/fixtures/empty_slide.pptx
+++ b/spec/fixtures/empty_slide.pptx
@@ -116,84 +116,14 @@
     </a:fontScheme>
     <a:fmtScheme name="Office">
       <a:fillStyleLst>
-        <a:solidFill>
-          <a:schemeClr val="phClr"/>
-        </a:solidFill>
-        <a:gradFill rotWithShape="1">
-          <a:gsLst>
-            <a:gs pos="0">
-              <a:schemeClr val="phClr">
-                <a:lumMod val="110000"/>
-                <a:satMod val="105000"/>
-                <a:tint val="67000"/>
-              </a:schemeClr>
-            </a:gs>
-            <a:gs pos="50000">
-              <a:schemeClr val="phClr">
-                <a:lumMod val="105000"/>
-                <a:satMod val="103000"/>
-                <a:tint val="73000"/>
-              </a:schemeClr>
-            </a:gs>
-            <a:gs pos="100000">
-              <a:schemeClr val="phClr">
-                <a:lumMod val="105000"/>
-                <a:satMod val="109000"/>
-                <a:tint val="81000"/>
-              </a:schemeClr>
-            </a:gs>
-          </a:gsLst>
-          <a:lin ang="5400000" scaled="0"/>
-        </a:gradFill>
-        <a:gradFill rotWithShape="1">
-          <a:gsLst>
-            <a:gs pos="0">
-              <a:schemeClr val="phClr">
-                <a:satMod val="103000"/>
-                <a:lumMod val="102000"/>
-                <a:tint val="94000"/>
-              </a:schemeClr>
-            </a:gs>
-            <a:gs pos="50000">
-              <a:schemeClr val="phClr">
-                <a:satMod val="110000"/>
-                <a:lumMod val="100000"/>
-                <a:shade val="100000"/>
-              </a:schemeClr>
-            </a:gs>
-            <a:gs pos="100000">
-              <a:schemeClr val="phClr">
-                <a:lumMod val="99000"/>
-                <a:satMod val="120000"/>
-                <a:shade val="78000"/>
-              </a:schemeClr>
-            </a:gs>
-          </a:gsLst>
-          <a:lin ang="5400000" scaled="0"/>
-        </a:gradFill>
+        <a:noFill/>
+        <a:noFill/>
+        <a:noFill/>
       </a:fillStyleLst>
       <a:lnStyleLst>
-        <a:ln w="6350" cap="flat" cmpd="sng" algn="ctr">
-          <a:solidFill>
-            <a:schemeClr val="phClr"/>
-          </a:solidFill>
-          <a:prstDash val="solid"/>
-          <a:miter lim="800000"/>
-        </a:ln>
-        <a:ln w="12700" cap="flat" cmpd="sng" algn="ctr">
-          <a:solidFill>
-            <a:schemeClr val="phClr"/>
-          </a:solidFill>
-          <a:prstDash val="solid"/>
-          <a:miter lim="800000"/>
-        </a:ln>
-        <a:ln w="19050" cap="flat" cmpd="sng" algn="ctr">
-          <a:solidFill>
-            <a:schemeClr val="phClr"/>
-          </a:solidFill>
-          <a:prstDash val="solid"/>
-          <a:miter lim="800000"/>
-        </a:ln>
+        <a:ln/>
+        <a:ln/>
+        <a:ln/>
       </a:lnStyleLst>
       <a:effectStyleLst>
         <a:effectStyle>
@@ -203,52 +133,13 @@
           <a:effectLst/>
         </a:effectStyle>
         <a:effectStyle>
-          <a:effectLst>
-            <a:outerShdw blurRad="57150" dist="19050" dir="5400000" algn="ctr" rotWithShape="0">
-              <a:srgbClr val="000000">
-                <a:alpha val="63000"/>
-              </a:srgbClr>
-            </a:outerShdw>
-          </a:effectLst>
+          <a:effectLst/>
         </a:effectStyle>
       </a:effectStyleLst>
       <a:bgFillStyleLst>
-        <a:solidFill>
-          <a:schemeClr val="phClr"/>
-        </a:solidFill>
-        <a:solidFill>
-          <a:schemeClr val="phClr">
-            <a:tint val="95000"/>
-            <a:satMod val="170000"/>
-          </a:schemeClr>
-        </a:solidFill>
-        <a:gradFill rotWithShape="1">
-          <a:gsLst>
-            <a:gs pos="0">
-              <a:schemeClr val="phClr">
-                <a:tint val="93000"/>
-                <a:satMod val="150000"/>
-                <a:shade val="98000"/>
-                <a:lumMod val="102000"/>
-              </a:schemeClr>
-            </a:gs>
-            <a:gs pos="50000">
-              <a:schemeClr val="phClr">
-                <a:tint val="98000"/>
-                <a:satMod val="130000"/>
-                <a:shade val="90000"/>
-                <a:lumMod val="103000"/>
-              </a:schemeClr>
-            </a:gs>
-            <a:gs pos="100000">
-              <a:schemeClr val="phClr">
-                <a:shade val="63000"/>
-                <a:satMod val="120000"/>
-              </a:schemeClr>
-            </a:gs>
-          </a:gsLst>
-          <a:lin ang="5400000" scaled="0"/>
-        </a:gradFill>
+        <a:noFill/>
+        <a:noFill/>
+        <a:noFill/>
       </a:bgFillStyleLst>
     </a:fmtScheme>
   </a:themeElements>

--- a/spec/fixtures/empty_slide.pptx
+++ b/spec/fixtures/empty_slide.pptx
@@ -14,7 +14,7 @@
 
 <file path=ppt/slideLayouts/slideLayoutBasic.xml><?xml version="1.0" encoding="utf-8"?>
 <p:sldLayout xmlns:a="http://schemas.openxmlformats.org/drawingml/2006/main" xmlns:r="http://schemas.openxmlformats.org/officeDocument/2006/relationships" xmlns:p="http://schemas.openxmlformats.org/presentationml/2006/main" type="blank" preserve="1">
-  <p:cSld name="Blank">
+  <p:cSld name="Basic">
     <p:spTree>
       <p:nvGrpSpPr>
         <p:cNvPr id="1" name=""/>

--- a/spec/fixtures/empty_slide.pptx
+++ b/spec/fixtures/empty_slide.pptx
@@ -7,7 +7,7 @@
   <p:sldIdLst>
     <p:sldId id="256" r:id="rId2"/>
   </p:sldIdLst>
-  <p:sldSz cx="12192000" cy="6858000"/>
+  <p:sldSz cx="13004800" cy="9753600"/>
   <p:notesSz cx="6858000" cy="9144000"/>
 </p:presentation>
 </file>

--- a/spec/fixtures/empty_slide.pptx
+++ b/spec/fixtures/empty_slide.pptx
@@ -7,7 +7,7 @@
   <p:sldIdLst>
     <p:sldId id="256" r:id="rId2"/>
   </p:sldIdLst>
-  <p:sldSz cx="13004800" cy="9753600"/>
+  <p:sldSz cx="12192000" cy="6858000"/>
   <p:notesSz cx="6858000" cy="9144000"/>
 </p:presentation>
 </file>

--- a/spec/fixtures/empty_slide.pptx
+++ b/spec/fixtures/empty_slide.pptx
@@ -2,7 +2,7 @@
 <file path=ppt/presentation.xml><?xml version="1.0" encoding="utf-8"?>
 <p:presentation xmlns:a="http://schemas.openxmlformats.org/drawingml/2006/main" xmlns:r="http://schemas.openxmlformats.org/officeDocument/2006/relationships" xmlns:p="http://schemas.openxmlformats.org/presentationml/2006/main">
   <p:sldMasterIdLst>
-    <p:sldMasterId r:id="rId1"/>
+    <p:sldMasterId id="356" r:id="rId1"/>
   </p:sldMasterIdLst>
   <p:sldIdLst>
     <p:sldId id="256" r:id="rId2"/>
@@ -12,8 +12,8 @@
 </p:presentation>
 </file>
 
-<file path=ppt/slideLayouts/slideLayoutBasic.xml><?xml version="1.0" encoding="utf-8"?>
-<p:sldLayout xmlns:a="http://schemas.openxmlformats.org/drawingml/2006/main" xmlns:r="http://schemas.openxmlformats.org/officeDocument/2006/relationships" xmlns:p="http://schemas.openxmlformats.org/presentationml/2006/main" type="blank" preserve="1">
+<file path=ppt/slideLayouts/slideLayout1.xml><?xml version="1.0" encoding="utf-8"?>
+<p:sldLayout xmlns:a="http://schemas.openxmlformats.org/drawingml/2006/main" xmlns:r="http://schemas.openxmlformats.org/officeDocument/2006/relationships" xmlns:p="http://schemas.openxmlformats.org/presentationml/2006/main">
   <p:cSld name="Basic">
     <p:spTree>
       <p:nvGrpSpPr>
@@ -27,7 +27,7 @@
 </p:sldLayout>
 </file>
 
-<file path=ppt/slideMasters/slideMasterBasic.xml><?xml version="1.0" encoding="utf-8"?>
+<file path=ppt/slideMasters/slideMaster1.xml><?xml version="1.0" encoding="utf-8"?>
 <p:sldMaster xmlns:a="http://schemas.openxmlformats.org/drawingml/2006/main" xmlns:r="http://schemas.openxmlformats.org/officeDocument/2006/relationships" xmlns:p="http://schemas.openxmlformats.org/presentationml/2006/main">
   <p:cSld>
     <p:spTree>
@@ -41,7 +41,7 @@
   </p:cSld>
   <p:clrMap bg1="lt1" tx1="dk1" bg2="lt2" tx2="dk2" accent1="accent1" accent2="accent2" accent3="accent3" accent4="accent4" accent5="accent5" accent6="accent6" hlink="hlink" folHlink="folHlink"/>
   <p:sldLayoutIdLst>
-    <p:sldLayoutId r:id="rId7"/>
+    <p:sldLayoutId id="256" r:id="rId7"/>
   </p:sldLayoutIdLst>
 </p:sldMaster>
 </file>
@@ -61,7 +61,7 @@
 </p:sld>
 </file>
 
-<file path=ppt/theme/themeBasic.xml><?xml version="1.0" encoding="utf-8"?>
+<file path=ppt/theme/theme1.xml><?xml version="1.0" encoding="utf-8"?>
 <a:theme xmlns:a="http://schemas.openxmlformats.org/drawingml/2006/main" name="Office Theme">
   <a:themeElements>
     <a:clrScheme name="Office">
